--- a/docs/Research Findings.pptx
+++ b/docs/Research Findings.pptx
@@ -12385,36 +12385,6 @@
           <a:chExt cx="0" cy="0"/>
         </a:xfrm>
       </p:grpSpPr>
-      <p:pic>
-        <p:nvPicPr>
-          <p:cNvPr id="10" name="Picture 9" descr="A screenshot of a graph&#10;&#10;AI-generated content may be incorrect.">
-            <a:extLst>
-              <a:ext uri="{FF2B5EF4-FFF2-40B4-BE49-F238E27FC236}">
-                <a16:creationId xmlns:a16="http://schemas.microsoft.com/office/drawing/2014/main" id="{38A1EBEB-6350-7169-41BB-493627A90CA2}"/>
-              </a:ext>
-            </a:extLst>
-          </p:cNvPr>
-          <p:cNvPicPr>
-            <a:picLocks noChangeAspect="1"/>
-          </p:cNvPicPr>
-          <p:nvPr/>
-        </p:nvPicPr>
-        <p:blipFill>
-          <a:blip r:embed="rId3"/>
-          <a:stretch>
-            <a:fillRect/>
-          </a:stretch>
-        </p:blipFill>
-        <p:spPr>
-          <a:xfrm>
-            <a:off x="304800" y="1507081"/>
-            <a:ext cx="10771632" cy="5350919"/>
-          </a:xfrm>
-          <a:prstGeom prst="rect">
-            <a:avLst/>
-          </a:prstGeom>
-        </p:spPr>
-      </p:pic>
       <p:sp>
         <p:nvSpPr>
           <p:cNvPr id="5" name="Title 4">
@@ -12465,10 +12435,41 @@
       </p:sp>
       <p:pic>
         <p:nvPicPr>
-          <p:cNvPr id="6" name="Picture 5" descr="A white background with black text&#10;&#10;AI-generated content may be incorrect.">
-            <a:extLst>
-              <a:ext uri="{FF2B5EF4-FFF2-40B4-BE49-F238E27FC236}">
-                <a16:creationId xmlns:a16="http://schemas.microsoft.com/office/drawing/2014/main" id="{8CC68FAE-DD71-732B-810D-A17A4BA3EF6B}"/>
+          <p:cNvPr id="3" name="Picture 2" descr="A screenshot of a computer screen&#10;&#10;AI-generated content may be incorrect.">
+            <a:extLst>
+              <a:ext uri="{FF2B5EF4-FFF2-40B4-BE49-F238E27FC236}">
+                <a16:creationId xmlns:a16="http://schemas.microsoft.com/office/drawing/2014/main" id="{7B45CF2F-24B1-7E08-F160-F3D70243A350}"/>
+              </a:ext>
+            </a:extLst>
+          </p:cNvPr>
+          <p:cNvPicPr>
+            <a:picLocks noChangeAspect="1"/>
+          </p:cNvPicPr>
+          <p:nvPr/>
+        </p:nvPicPr>
+        <p:blipFill>
+          <a:blip r:embed="rId3"/>
+          <a:srcRect b="47499"/>
+          <a:stretch>
+            <a:fillRect/>
+          </a:stretch>
+        </p:blipFill>
+        <p:spPr>
+          <a:xfrm>
+            <a:off x="1207273" y="1575648"/>
+            <a:ext cx="9777453" cy="2549970"/>
+          </a:xfrm>
+          <a:prstGeom prst="rect">
+            <a:avLst/>
+          </a:prstGeom>
+        </p:spPr>
+      </p:pic>
+      <p:pic>
+        <p:nvPicPr>
+          <p:cNvPr id="9" name="Picture 8" descr="A white text with black text&#10;&#10;AI-generated content may be incorrect.">
+            <a:extLst>
+              <a:ext uri="{FF2B5EF4-FFF2-40B4-BE49-F238E27FC236}">
+                <a16:creationId xmlns:a16="http://schemas.microsoft.com/office/drawing/2014/main" id="{68D6EDCF-8F7F-308D-0684-525F8E363685}"/>
               </a:ext>
             </a:extLst>
           </p:cNvPr>
@@ -12485,58 +12486,14 @@
         </p:blipFill>
         <p:spPr>
           <a:xfrm>
-            <a:off x="7814305" y="4392118"/>
-            <a:ext cx="3471331" cy="2040580"/>
+            <a:off x="4175287" y="4125618"/>
+            <a:ext cx="4048690" cy="2457793"/>
           </a:xfrm>
           <a:prstGeom prst="rect">
             <a:avLst/>
           </a:prstGeom>
         </p:spPr>
       </p:pic>
-      <p:sp>
-        <p:nvSpPr>
-          <p:cNvPr id="11" name="TextBox 10">
-            <a:extLst>
-              <a:ext uri="{FF2B5EF4-FFF2-40B4-BE49-F238E27FC236}">
-                <a16:creationId xmlns:a16="http://schemas.microsoft.com/office/drawing/2014/main" id="{0F2C65D2-3D3C-CE8C-8F8C-2E1396E355A3}"/>
-              </a:ext>
-            </a:extLst>
-          </p:cNvPr>
-          <p:cNvSpPr txBox="1"/>
-          <p:nvPr/>
-        </p:nvSpPr>
-        <p:spPr>
-          <a:xfrm>
-            <a:off x="9267377" y="381529"/>
-            <a:ext cx="2646163" cy="646331"/>
-          </a:xfrm>
-          <a:prstGeom prst="rect">
-            <a:avLst/>
-          </a:prstGeom>
-          <a:noFill/>
-        </p:spPr>
-        <p:txBody>
-          <a:bodyPr wrap="square" rtlCol="0">
-            <a:spAutoFit/>
-          </a:bodyPr>
-          <a:lstStyle/>
-          <a:p>
-            <a:r>
-              <a:rPr lang="en-US" dirty="0">
-                <a:solidFill>
-                  <a:srgbClr val="FF0000"/>
-                </a:solidFill>
-              </a:rPr>
-              <a:t>There is something off here .. Run it again</a:t>
-            </a:r>
-            <a:endParaRPr lang="en-NL" dirty="0">
-              <a:solidFill>
-                <a:srgbClr val="FF0000"/>
-              </a:solidFill>
-            </a:endParaRPr>
-          </a:p>
-        </p:txBody>
-      </p:sp>
     </p:spTree>
     <p:extLst>
       <p:ext uri="{BB962C8B-B14F-4D97-AF65-F5344CB8AC3E}">
@@ -16794,6 +16751,15 @@
 </file>
 
 <file path=customXml/item1.xml><?xml version="1.0" encoding="utf-8"?>
+<?mso-contentType ?>
+<FormTemplates xmlns="http://schemas.microsoft.com/sharepoint/v3/contenttype/forms">
+  <Display>DocumentLibraryForm</Display>
+  <Edit>DocumentLibraryForm</Edit>
+  <New>DocumentLibraryForm</New>
+</FormTemplates>
+</file>
+
+<file path=customXml/item2.xml><?xml version="1.0" encoding="utf-8"?>
 <ct:contentTypeSchema xmlns:ct="http://schemas.microsoft.com/office/2006/metadata/contentType" xmlns:ma="http://schemas.microsoft.com/office/2006/metadata/properties/metaAttributes" ct:_="" ma:_="" ma:contentTypeName="Document" ma:contentTypeID="0x01010079F111ED35F8CC479449609E8A0923A6" ma:contentTypeVersion="12" ma:contentTypeDescription="Create a new document." ma:contentTypeScope="" ma:versionID="426e97fa315356fffbdcd9876fe988c2">
   <xsd:schema xmlns:xsd="http://www.w3.org/2001/XMLSchema" xmlns:xs="http://www.w3.org/2001/XMLSchema" xmlns:p="http://schemas.microsoft.com/office/2006/metadata/properties" xmlns:ns2="71af3243-3dd4-4a8d-8c0d-dd76da1f02a5" xmlns:ns3="16c05727-aa75-4e4a-9b5f-8a80a1165891" targetNamespace="http://schemas.microsoft.com/office/2006/metadata/properties" ma:root="true" ma:fieldsID="14b8f0def80e6d70ce3def20c90759ae" ns2:_="" ns3:_="">
     <xsd:import namespace="71af3243-3dd4-4a8d-8c0d-dd76da1f02a5"/>
@@ -17014,15 +16980,6 @@
 </ct:contentTypeSchema>
 </file>
 
-<file path=customXml/item2.xml><?xml version="1.0" encoding="utf-8"?>
-<?mso-contentType ?>
-<FormTemplates xmlns="http://schemas.microsoft.com/sharepoint/v3/contenttype/forms">
-  <Display>DocumentLibraryForm</Display>
-  <Edit>DocumentLibraryForm</Edit>
-  <New>DocumentLibraryForm</New>
-</FormTemplates>
-</file>
-
 <file path=customXml/item3.xml><?xml version="1.0" encoding="utf-8"?>
 <p:properties xmlns:p="http://schemas.microsoft.com/office/2006/metadata/properties" xmlns:xsi="http://www.w3.org/2001/XMLSchema-instance" xmlns:pc="http://schemas.microsoft.com/office/infopath/2007/PartnerControls">
   <documentManagement>
@@ -17033,6 +16990,14 @@
 </file>
 
 <file path=customXml/itemProps1.xml><?xml version="1.0" encoding="utf-8"?>
+<ds:datastoreItem xmlns:ds="http://schemas.openxmlformats.org/officeDocument/2006/customXml" ds:itemID="{B927DC71-2909-427C-BDB0-3E47E2101517}">
+  <ds:schemaRefs>
+    <ds:schemaRef ds:uri="http://schemas.microsoft.com/sharepoint/v3/contenttype/forms"/>
+  </ds:schemaRefs>
+</ds:datastoreItem>
+</file>
+
+<file path=customXml/itemProps2.xml><?xml version="1.0" encoding="utf-8"?>
 <ds:datastoreItem xmlns:ds="http://schemas.openxmlformats.org/officeDocument/2006/customXml" ds:itemID="{1DF0A252-5923-47A2-A53A-F9BF72908919}">
   <ds:schemaRefs>
     <ds:schemaRef ds:uri="http://schemas.microsoft.com/office/2006/metadata/contentType"/>
@@ -17047,14 +17012,6 @@
     <ds:schemaRef ds:uri="http://purl.org/dc/elements/1.1/"/>
     <ds:schemaRef ds:uri="http://purl.org/dc/terms/"/>
     <ds:schemaRef ds:uri="http://schemas.microsoft.com/internal/obd"/>
-  </ds:schemaRefs>
-</ds:datastoreItem>
-</file>
-
-<file path=customXml/itemProps2.xml><?xml version="1.0" encoding="utf-8"?>
-<ds:datastoreItem xmlns:ds="http://schemas.openxmlformats.org/officeDocument/2006/customXml" ds:itemID="{B927DC71-2909-427C-BDB0-3E47E2101517}">
-  <ds:schemaRefs>
-    <ds:schemaRef ds:uri="http://schemas.microsoft.com/sharepoint/v3/contenttype/forms"/>
   </ds:schemaRefs>
 </ds:datastoreItem>
 </file>
